--- a/Yusuf_Fundamental-Programming.pptx
+++ b/Yusuf_Fundamental-Programming.pptx
@@ -129,6 +129,9 @@
           </p14:sldIdLst>
         </p14:section>
       </p14:sectionLst>
+    </p:ext>
+    <p:ext uri="{EFAFB233-063F-42B5-8137-9DF3F51BA10A}">
+      <p15:sldGuideLst xmlns:p15="http://schemas.microsoft.com/office/powerpoint/2012/main"/>
     </p:ext>
   </p:extLst>
 </p:presentation>
@@ -5792,7 +5795,7 @@
                 <a:effectLst/>
                 <a:latin typeface="Courier New" panose="02070309020205020404" pitchFamily="49" charset="0"/>
               </a:rPr>
-              <a:t>int</a:t>
+              <a:t>Integer</a:t>
             </a:r>
             <a:r>
               <a:rPr lang="en-US" sz="1800" b="1" dirty="0">
@@ -5892,27 +5895,7 @@
                 <a:effectLst/>
                 <a:latin typeface="Courier New" panose="02070309020205020404" pitchFamily="49" charset="0"/>
               </a:rPr>
-              <a:t>&lt;</a:t>
-            </a:r>
-            <a:r>
-              <a:rPr lang="en-US" sz="1800" dirty="0">
-                <a:solidFill>
-                  <a:srgbClr val="8000FF"/>
-                </a:solidFill>
-                <a:effectLst/>
-                <a:latin typeface="Courier New" panose="02070309020205020404" pitchFamily="49" charset="0"/>
-              </a:rPr>
-              <a:t>int</a:t>
-            </a:r>
-            <a:r>
-              <a:rPr lang="en-US" sz="1800" b="1" dirty="0">
-                <a:solidFill>
-                  <a:srgbClr val="000080"/>
-                </a:solidFill>
-                <a:effectLst/>
-                <a:latin typeface="Courier New" panose="02070309020205020404" pitchFamily="49" charset="0"/>
-              </a:rPr>
-              <a:t>&gt;;</a:t>
+              <a:t>&lt;&gt;();</a:t>
             </a:r>
             <a:r>
               <a:rPr lang="en-US" sz="1800" dirty="0">
